--- a/report/Database Present.pptx
+++ b/report/Database Present.pptx
@@ -134,6 +134,11 @@
       </a:defRPr>
     </a:lvl9pPr>
   </p:defaultTextStyle>
+  <p:extLst>
+    <p:ext uri="{EFAFB233-063F-42B5-8137-9DF3F51BA10A}">
+      <p15:sldGuideLst xmlns:p15="http://schemas.microsoft.com/office/powerpoint/2012/main"/>
+    </p:ext>
+  </p:extLst>
 </p:presentation>
 </file>
 
@@ -6024,7 +6029,7 @@
             </a:pPr>
             <a:r>
               <a:rPr lang="th-TH" sz="2800" dirty="0"/>
-              <a:t>แสดงผลการรายงานที่ กล่องรายงานปัญหา</a:t>
+              <a:t>มีการแสดงผลการรายงานที่ กล่องรายงานปัญหา</a:t>
             </a:r>
           </a:p>
           <a:p>
@@ -6594,7 +6599,7 @@
             </a:pPr>
             <a:r>
               <a:rPr lang="th-TH" sz="2800" dirty="0"/>
-              <a:t>โดยด้านล่างโพสต์จะแสดงจำนวนแต่ละสถานะที่ผู้ใช้อื่นแสดงสถานะให้</a:t>
+              <a:t>โดยด้านล่างโพสต์จะแสดงจำนวนของแต่ละสถานะที่ผู้ใช้อื่นแสดงสถานะให้</a:t>
             </a:r>
           </a:p>
           <a:p>
@@ -6739,7 +6744,7 @@
         <p:spPr>
           <a:xfrm>
             <a:off x="838200" y="1690688"/>
-            <a:ext cx="3864429" cy="954107"/>
+            <a:ext cx="3864429" cy="1384995"/>
           </a:xfrm>
           <a:prstGeom prst="rect">
             <a:avLst/>
@@ -6758,7 +6763,7 @@
             </a:r>
             <a:r>
               <a:rPr lang="th-TH" sz="2800" dirty="0"/>
-              <a:t> เป็นหน้าเว็บ ที่เอาไว้แก้ไขข้อมูลส่วนตัว และ เอาไว้เปลี่ยนรหัสผ่าน</a:t>
+              <a:t> เป็นหน้าเว็บ ที่เอาไว้แก้ไขข้อมูลส่วนตัว และ เอาไว้เปลี่ยนรหัสผ่านบัญชีผู้ใช้</a:t>
             </a:r>
           </a:p>
         </p:txBody>
@@ -7057,7 +7062,7 @@
             </a:pPr>
             <a:r>
               <a:rPr lang="th-TH" sz="2800" dirty="0"/>
-              <a:t>ในหน้านี้จะเป็นหน้า ที่มีไว้สำหรับให้ครู</a:t>
+              <a:t>ในหน้าเว็บนี้จะเป็นหน้า ที่มีไว้สำหรับให้ครู</a:t>
             </a:r>
           </a:p>
           <a:p>
@@ -7067,7 +7072,7 @@
             </a:r>
             <a:r>
               <a:rPr lang="th-TH" sz="2800" dirty="0"/>
-              <a:t>เดตสถานการณ์ตรวจของบันทึก หรือลบบันทึกความดี</a:t>
+              <a:t>เดตสถานะตรวจของบันทึก หรือลบบันทึกความดี</a:t>
             </a:r>
             <a:r>
               <a:rPr lang="th-TH" sz="2800" dirty="0" err="1"/>
@@ -7208,7 +7213,7 @@
             </a:pPr>
             <a:r>
               <a:rPr lang="th-TH" sz="2800" dirty="0"/>
-              <a:t>ในหน้านี้ จะแสดงข้อมูล หมายเลขโพสต์ เวลา ของทุกโพสต์</a:t>
+              <a:t>ในหน้านี้ จะแสดงข้อมูล หมายเลขโพสต์ เวลาของทุกโพสต์</a:t>
             </a:r>
           </a:p>
           <a:p>
@@ -7924,7 +7929,15 @@
             </a:pPr>
             <a:r>
               <a:rPr lang="th-TH" sz="2800" dirty="0"/>
-              <a:t>มีปุ่มที่ครูสามารถเปลี่ยนบทบาทให้กับผู้ใช้อื่นได้</a:t>
+              <a:t>มีปุ่มที่ครูสามารถเปลี่ยนบทบาทให้กับผู้ใช้</a:t>
+            </a:r>
+            <a:r>
+              <a:rPr lang="th-TH" sz="2800" dirty="0" err="1"/>
+              <a:t>นั้นๆ</a:t>
+            </a:r>
+            <a:r>
+              <a:rPr lang="th-TH" sz="2800" dirty="0"/>
+              <a:t>ได้</a:t>
             </a:r>
           </a:p>
           <a:p>
@@ -8066,7 +8079,7 @@
         <p:spPr>
           <a:xfrm>
             <a:off x="444137" y="1894114"/>
-            <a:ext cx="3383280" cy="1815882"/>
+            <a:ext cx="3383280" cy="2246769"/>
           </a:xfrm>
           <a:prstGeom prst="rect">
             <a:avLst/>
@@ -8085,7 +8098,7 @@
             </a:pPr>
             <a:r>
               <a:rPr lang="th-TH" sz="2800" dirty="0"/>
-              <a:t>ในหน้าเว็บนี้จะแสดงหมายเลขกระทู้  หัวข้อ และสถานะ</a:t>
+              <a:t>ในหน้าเว็บนี้จะแสดงหมายเลขกระทู้  หัวข้อ และสถานะ ของแต่ละกระทู้</a:t>
             </a:r>
           </a:p>
           <a:p>
@@ -8212,7 +8225,7 @@
         <p:spPr>
           <a:xfrm>
             <a:off x="627016" y="1716813"/>
-            <a:ext cx="3004458" cy="4401205"/>
+            <a:ext cx="3004458" cy="4832092"/>
           </a:xfrm>
           <a:prstGeom prst="rect">
             <a:avLst/>
@@ -8241,7 +8254,7 @@
             </a:pPr>
             <a:r>
               <a:rPr lang="th-TH" sz="2800" dirty="0"/>
-              <a:t>มีกล่องข้อความสำหรับครูที่เอาไว้ตอบกลับปัญหากระทู้</a:t>
+              <a:t>มีกล่องข้อความสำหรับครูที่เอาไว้เขียนตอบกลับปัญหาของกระทู้</a:t>
             </a:r>
             <a:r>
               <a:rPr lang="th-TH" sz="2800" dirty="0" err="1"/>
@@ -8256,7 +8269,7 @@
             </a:pPr>
             <a:r>
               <a:rPr lang="th-TH" sz="2800" dirty="0"/>
-              <a:t>มีการแสดงผลลัพธ์การตอบกลับอยู่ส่วนล่างสุด</a:t>
+              <a:t>มีการแสดงผลลัพธ์การตอบกลับกระทู้อยู่ส่วนล่างสุด</a:t>
             </a:r>
           </a:p>
         </p:txBody>
@@ -10484,7 +10497,7 @@
             </a:r>
             <a:r>
               <a:rPr lang="th-TH" sz="2800" dirty="0"/>
-              <a:t>จะแสดงเฉพาะบันทึกความดีที่ได้รับการเผยแพร่แล้วเท่านั้น</a:t>
+              <a:t>ในหน้าเว็บนี้จะแสดงเฉพาะบันทึกความดีที่ได้รับการเผยแพร่แล้วเท่านั้น</a:t>
             </a:r>
           </a:p>
         </p:txBody>
@@ -10649,7 +10662,7 @@
             </a:r>
             <a:r>
               <a:rPr lang="th-TH" sz="2800" dirty="0"/>
-              <a:t>งก์ไปหน้าเพิ่มบันทึกความดี</a:t>
+              <a:t>งก์ไปยังหน้าเพิ่มบันทึกความดี</a:t>
             </a:r>
           </a:p>
         </p:txBody>

--- a/report/Database Present.pptx
+++ b/report/Database Present.pptx
@@ -5875,14 +5875,64 @@
             <p:ph type="ctrTitle"/>
           </p:nvPr>
         </p:nvSpPr>
-        <p:spPr/>
+        <p:spPr>
+          <a:xfrm>
+            <a:off x="639192" y="1490133"/>
+            <a:ext cx="9339309" cy="3268297"/>
+          </a:xfrm>
+        </p:spPr>
         <p:txBody>
           <a:bodyPr/>
           <a:lstStyle/>
           <a:p>
+            <a:pPr algn="ctr"/>
             <a:r>
               <a:rPr lang="en-US" dirty="0"/>
-              <a:t>Database Present </a:t>
+              <a:t>Present</a:t>
+            </a:r>
+            <a:r>
+              <a:rPr lang="th-TH" dirty="0"/>
+              <a:t> </a:t>
+            </a:r>
+            <a:r>
+              <a:rPr lang="en-US" dirty="0"/>
+              <a:t>Database</a:t>
+            </a:r>
+            <a:br>
+              <a:rPr lang="th-TH" dirty="0"/>
+            </a:br>
+            <a:br>
+              <a:rPr lang="en-US" sz="4400" dirty="0"/>
+            </a:br>
+            <a:r>
+              <a:rPr lang="th-TH" sz="4400" b="1" dirty="0">
+                <a:effectLst/>
+                <a:latin typeface="BrowalliaUPC" panose="020B0604020202020204" pitchFamily="34" charset="-34"/>
+                <a:ea typeface="BrowalliaUPC" panose="020B0604020202020204" pitchFamily="34" charset="-34"/>
+                <a:cs typeface="BrowalliaUPC" panose="020B0604020202020204" pitchFamily="34" charset="-34"/>
+              </a:rPr>
+              <a:t>ระบบฐานข้อมูลบันทึกความดีออนไลน์</a:t>
+            </a:r>
+            <a:r>
+              <a:rPr lang="en-US" sz="4400" b="1" dirty="0">
+                <a:effectLst/>
+                <a:latin typeface="BrowalliaUPC" panose="020B0604020202020204" pitchFamily="34" charset="-34"/>
+                <a:ea typeface="BrowalliaUPC" panose="020B0604020202020204" pitchFamily="34" charset="-34"/>
+                <a:cs typeface="BrowalliaUPC" panose="020B0604020202020204" pitchFamily="34" charset="-34"/>
+              </a:rPr>
+              <a:t> (Grace notes)</a:t>
+            </a:r>
+            <a:br>
+              <a:rPr lang="en-US" sz="1800" dirty="0">
+                <a:effectLst/>
+                <a:latin typeface="BrowalliaUPC" panose="020B0604020202020204" pitchFamily="34" charset="-34"/>
+                <a:ea typeface="BrowalliaUPC" panose="020B0604020202020204" pitchFamily="34" charset="-34"/>
+                <a:cs typeface="BrowalliaUPC" panose="020B0604020202020204" pitchFamily="34" charset="-34"/>
+              </a:rPr>
+            </a:br>
+            <a:r>
+              <a:rPr lang="en-US" dirty="0"/>
+              <a:t> </a:t>
             </a:r>
             <a:endParaRPr lang="th-TH" dirty="0"/>
           </a:p>
